--- a/Presentation/Green IoT at Home.pptx
+++ b/Presentation/Green IoT at Home.pptx
@@ -271,7 +271,7 @@
           <a:p>
             <a:fld id="{7C41CEEE-D7D2-4376-945F-3EF87262369B}" type="datetimeFigureOut">
               <a:rPr lang="en-US" smtClean="0"/>
-              <a:t>5/15/2017</a:t>
+              <a:t>5/16/2017</a:t>
             </a:fld>
             <a:endParaRPr lang="en-US"/>
           </a:p>
@@ -469,7 +469,7 @@
           <a:p>
             <a:fld id="{7C41CEEE-D7D2-4376-945F-3EF87262369B}" type="datetimeFigureOut">
               <a:rPr lang="en-US" smtClean="0"/>
-              <a:t>5/15/2017</a:t>
+              <a:t>5/16/2017</a:t>
             </a:fld>
             <a:endParaRPr lang="en-US"/>
           </a:p>
@@ -677,7 +677,7 @@
           <a:p>
             <a:fld id="{7C41CEEE-D7D2-4376-945F-3EF87262369B}" type="datetimeFigureOut">
               <a:rPr lang="en-US" smtClean="0"/>
-              <a:t>5/15/2017</a:t>
+              <a:t>5/16/2017</a:t>
             </a:fld>
             <a:endParaRPr lang="en-US"/>
           </a:p>
@@ -875,7 +875,7 @@
           <a:p>
             <a:fld id="{7C41CEEE-D7D2-4376-945F-3EF87262369B}" type="datetimeFigureOut">
               <a:rPr lang="en-US" smtClean="0"/>
-              <a:t>5/15/2017</a:t>
+              <a:t>5/16/2017</a:t>
             </a:fld>
             <a:endParaRPr lang="en-US"/>
           </a:p>
@@ -1150,7 +1150,7 @@
           <a:p>
             <a:fld id="{7C41CEEE-D7D2-4376-945F-3EF87262369B}" type="datetimeFigureOut">
               <a:rPr lang="en-US" smtClean="0"/>
-              <a:t>5/15/2017</a:t>
+              <a:t>5/16/2017</a:t>
             </a:fld>
             <a:endParaRPr lang="en-US"/>
           </a:p>
@@ -1415,7 +1415,7 @@
           <a:p>
             <a:fld id="{7C41CEEE-D7D2-4376-945F-3EF87262369B}" type="datetimeFigureOut">
               <a:rPr lang="en-US" smtClean="0"/>
-              <a:t>5/15/2017</a:t>
+              <a:t>5/16/2017</a:t>
             </a:fld>
             <a:endParaRPr lang="en-US"/>
           </a:p>
@@ -1827,7 +1827,7 @@
           <a:p>
             <a:fld id="{7C41CEEE-D7D2-4376-945F-3EF87262369B}" type="datetimeFigureOut">
               <a:rPr lang="en-US" smtClean="0"/>
-              <a:t>5/15/2017</a:t>
+              <a:t>5/16/2017</a:t>
             </a:fld>
             <a:endParaRPr lang="en-US"/>
           </a:p>
@@ -1968,7 +1968,7 @@
           <a:p>
             <a:fld id="{7C41CEEE-D7D2-4376-945F-3EF87262369B}" type="datetimeFigureOut">
               <a:rPr lang="en-US" smtClean="0"/>
-              <a:t>5/15/2017</a:t>
+              <a:t>5/16/2017</a:t>
             </a:fld>
             <a:endParaRPr lang="en-US"/>
           </a:p>
@@ -2081,7 +2081,7 @@
           <a:p>
             <a:fld id="{7C41CEEE-D7D2-4376-945F-3EF87262369B}" type="datetimeFigureOut">
               <a:rPr lang="en-US" smtClean="0"/>
-              <a:t>5/15/2017</a:t>
+              <a:t>5/16/2017</a:t>
             </a:fld>
             <a:endParaRPr lang="en-US"/>
           </a:p>
@@ -2392,7 +2392,7 @@
           <a:p>
             <a:fld id="{7C41CEEE-D7D2-4376-945F-3EF87262369B}" type="datetimeFigureOut">
               <a:rPr lang="en-US" smtClean="0"/>
-              <a:t>5/15/2017</a:t>
+              <a:t>5/16/2017</a:t>
             </a:fld>
             <a:endParaRPr lang="en-US"/>
           </a:p>
@@ -2680,7 +2680,7 @@
           <a:p>
             <a:fld id="{7C41CEEE-D7D2-4376-945F-3EF87262369B}" type="datetimeFigureOut">
               <a:rPr lang="en-US" smtClean="0"/>
-              <a:t>5/15/2017</a:t>
+              <a:t>5/16/2017</a:t>
             </a:fld>
             <a:endParaRPr lang="en-US"/>
           </a:p>
@@ -2921,7 +2921,7 @@
           <a:p>
             <a:fld id="{7C41CEEE-D7D2-4376-945F-3EF87262369B}" type="datetimeFigureOut">
               <a:rPr lang="en-US" smtClean="0"/>
-              <a:t>5/15/2017</a:t>
+              <a:t>5/16/2017</a:t>
             </a:fld>
             <a:endParaRPr lang="en-US"/>
           </a:p>
@@ -3777,7 +3777,13 @@
           <a:p>
             <a:r>
               <a:rPr lang="en-US" dirty="0"/>
-              <a:t>Detects the amount of clothes loaded and can adjust the water and energy used. Uses 75% less water and power. Includes app to track savings over time.</a:t>
+              <a:t>Detects the amount of clothes loaded and can adjust the water and energy used.</a:t>
+            </a:r>
+          </a:p>
+          <a:p>
+            <a:r>
+              <a:rPr lang="en-US" dirty="0"/>
+              <a:t>Includes app to track savings over time. Typically uses 75% less water and power.</a:t>
             </a:r>
           </a:p>
           <a:p>
@@ -3814,7 +3820,7 @@
         </p:blipFill>
         <p:spPr bwMode="auto">
           <a:xfrm>
-            <a:off x="3508387" y="3116903"/>
+            <a:off x="3508387" y="3364553"/>
             <a:ext cx="4590090" cy="3060060"/>
           </a:xfrm>
           <a:prstGeom prst="rect">
@@ -3924,7 +3930,21 @@
           <a:p>
             <a:r>
               <a:rPr lang="en-US" dirty="0"/>
-              <a:t>Soil Sensor determines how dirty dishes are and adjusts accordingly. </a:t>
+              <a:t>Soil Sensor determines how dirty dishes are and adjusts accordingly.</a:t>
+            </a:r>
+          </a:p>
+          <a:p>
+            <a:r>
+              <a:rPr lang="en-US" dirty="0"/>
+              <a:t>Connects to the Smart Grid </a:t>
+            </a:r>
+            <a:r>
+              <a:rPr lang="en-US"/>
+              <a:t>and can run </a:t>
+            </a:r>
+            <a:r>
+              <a:rPr lang="en-US" dirty="0"/>
+              <a:t>only during off-peak hours.</a:t>
             </a:r>
           </a:p>
         </p:txBody>
@@ -4068,7 +4088,7 @@
           <a:p>
             <a:r>
               <a:rPr lang="en-US" dirty="0"/>
-              <a:t>Power-saving mode to conserve energy when nobody is home.</a:t>
+              <a:t>Power-saving mode to conserve energy when nobody is home through the app.</a:t>
             </a:r>
           </a:p>
         </p:txBody>
@@ -4173,7 +4193,7 @@
           <a:p>
             <a:r>
               <a:rPr lang="en-US" dirty="0"/>
-              <a:t>Cheaper Power</a:t>
+              <a:t>Smart Grid</a:t>
             </a:r>
           </a:p>
         </p:txBody>
